--- a/PPT slides/01 EDABDC - Data Models - part 1.pptx
+++ b/PPT slides/01 EDABDC - Data Models - part 1.pptx
@@ -13109,88 +13109,6 @@
                       </a:pPr>
                       <a:r>
                         <a:rPr lang="en-US"/>
-                        <a:t>Column-Family Data Model</a:t>
-                      </a:r>
-                      <a:endParaRPr lang="en-US"/>
-                    </a:p>
-                  </a:txBody>
-                  <a:tcPr/>
-                </a:tc>
-                <a:tc>
-                  <a:txBody>
-                    <a:bodyPr/>
-                    <a:p>
-                      <a:pPr>
-                        <a:buNone/>
-                      </a:pPr>
-                      <a:r>
-                        <a:rPr lang="en-US"/>
-                        <a:t>Columns grouped into families</a:t>
-                      </a:r>
-                      <a:endParaRPr lang="en-US"/>
-                    </a:p>
-                  </a:txBody>
-                  <a:tcPr/>
-                </a:tc>
-                <a:tc>
-                  <a:txBody>
-                    <a:bodyPr/>
-                    <a:p>
-                      <a:pPr>
-                        <a:buNone/>
-                      </a:pPr>
-                      <a:r>
-                        <a:rPr lang="en-US"/>
-                        <a:t>Optimized read/write operations</a:t>
-                      </a:r>
-                      <a:endParaRPr lang="en-US"/>
-                    </a:p>
-                  </a:txBody>
-                  <a:tcPr/>
-                </a:tc>
-                <a:tc>
-                  <a:txBody>
-                    <a:bodyPr/>
-                    <a:p>
-                      <a:pPr>
-                        <a:buNone/>
-                      </a:pPr>
-                      <a:r>
-                        <a:rPr lang="en-US"/>
-                        <a:t>Time-series data, big data applications</a:t>
-                      </a:r>
-                      <a:endParaRPr lang="en-US"/>
-                    </a:p>
-                  </a:txBody>
-                  <a:tcPr/>
-                </a:tc>
-                <a:tc>
-                  <a:txBody>
-                    <a:bodyPr/>
-                    <a:p>
-                      <a:pPr>
-                        <a:buNone/>
-                      </a:pPr>
-                      <a:r>
-                        <a:rPr lang="en-US" b="0"/>
-                        <a:t>Cassandra, HBase</a:t>
-                      </a:r>
-                      <a:endParaRPr lang="en-US" b="0"/>
-                    </a:p>
-                  </a:txBody>
-                  <a:tcPr/>
-                </a:tc>
-              </a:tr>
-              <a:tr h="920115">
-                <a:tc>
-                  <a:txBody>
-                    <a:bodyPr/>
-                    <a:p>
-                      <a:pPr>
-                        <a:buNone/>
-                      </a:pPr>
-                      <a:r>
-                        <a:rPr lang="en-US"/>
                         <a:t>Graph Data Model</a:t>
                       </a:r>
                       <a:endParaRPr lang="en-US"/>
